--- a/Phần 2-Component.pptx
+++ b/Phần 2-Component.pptx
@@ -876,7 +876,7 @@
             <a:fld id="{B61BEF0D-F0BB-DE4B-95CE-6DB70DBA9567}" type="datetimeFigureOut">
               <a:rPr lang="en-US" dirty="0"/>
               <a:pPr/>
-              <a:t>3/12/19</a:t>
+              <a:t>3/17/2019</a:t>
             </a:fld>
             <a:endParaRPr lang="en-US" dirty="0"/>
           </a:p>
@@ -1124,7 +1124,7 @@
             <a:fld id="{B61BEF0D-F0BB-DE4B-95CE-6DB70DBA9567}" type="datetimeFigureOut">
               <a:rPr lang="en-US" dirty="0"/>
               <a:pPr/>
-              <a:t>3/12/19</a:t>
+              <a:t>3/17/2019</a:t>
             </a:fld>
             <a:endParaRPr lang="en-US" dirty="0"/>
           </a:p>
@@ -1435,7 +1435,7 @@
             <a:fld id="{B61BEF0D-F0BB-DE4B-95CE-6DB70DBA9567}" type="datetimeFigureOut">
               <a:rPr lang="en-US" dirty="0"/>
               <a:pPr/>
-              <a:t>3/12/19</a:t>
+              <a:t>3/17/2019</a:t>
             </a:fld>
             <a:endParaRPr lang="en-US" dirty="0"/>
           </a:p>
@@ -1765,7 +1765,7 @@
             <a:fld id="{B61BEF0D-F0BB-DE4B-95CE-6DB70DBA9567}" type="datetimeFigureOut">
               <a:rPr lang="en-US" dirty="0"/>
               <a:pPr/>
-              <a:t>3/12/19</a:t>
+              <a:t>3/17/2019</a:t>
             </a:fld>
             <a:endParaRPr lang="en-US" dirty="0"/>
           </a:p>
@@ -2076,7 +2076,7 @@
             <a:fld id="{B61BEF0D-F0BB-DE4B-95CE-6DB70DBA9567}" type="datetimeFigureOut">
               <a:rPr lang="en-US" dirty="0"/>
               <a:pPr/>
-              <a:t>3/12/19</a:t>
+              <a:t>3/17/2019</a:t>
             </a:fld>
             <a:endParaRPr lang="en-US" dirty="0"/>
           </a:p>
@@ -2466,7 +2466,7 @@
             <a:fld id="{B61BEF0D-F0BB-DE4B-95CE-6DB70DBA9567}" type="datetimeFigureOut">
               <a:rPr lang="en-US" dirty="0"/>
               <a:pPr/>
-              <a:t>3/12/19</a:t>
+              <a:t>3/17/2019</a:t>
             </a:fld>
             <a:endParaRPr lang="en-US" dirty="0"/>
           </a:p>
@@ -2633,7 +2633,7 @@
             <a:fld id="{55C6B4A9-1611-4792-9094-5F34BCA07E0B}" type="datetimeFigureOut">
               <a:rPr lang="en-US" dirty="0"/>
               <a:pPr/>
-              <a:t>3/12/19</a:t>
+              <a:t>3/17/2019</a:t>
             </a:fld>
             <a:endParaRPr lang="en-US" dirty="0"/>
           </a:p>
@@ -2810,7 +2810,7 @@
             <a:fld id="{B61BEF0D-F0BB-DE4B-95CE-6DB70DBA9567}" type="datetimeFigureOut">
               <a:rPr lang="en-US" dirty="0"/>
               <a:pPr/>
-              <a:t>3/12/19</a:t>
+              <a:t>3/17/2019</a:t>
             </a:fld>
             <a:endParaRPr lang="en-US" dirty="0"/>
           </a:p>
@@ -2977,7 +2977,7 @@
             <a:fld id="{42A54C80-263E-416B-A8E0-580EDEADCBDC}" type="datetimeFigureOut">
               <a:rPr lang="en-US" dirty="0"/>
               <a:pPr/>
-              <a:t>3/12/19</a:t>
+              <a:t>3/17/2019</a:t>
             </a:fld>
             <a:endParaRPr lang="en-US" dirty="0"/>
           </a:p>
@@ -3221,7 +3221,7 @@
             <a:fld id="{B61BEF0D-F0BB-DE4B-95CE-6DB70DBA9567}" type="datetimeFigureOut">
               <a:rPr lang="en-US" dirty="0"/>
               <a:pPr/>
-              <a:t>3/12/19</a:t>
+              <a:t>3/17/2019</a:t>
             </a:fld>
             <a:endParaRPr lang="en-US" dirty="0"/>
           </a:p>
@@ -3450,7 +3450,7 @@
             <a:fld id="{42A54C80-263E-416B-A8E0-580EDEADCBDC}" type="datetimeFigureOut">
               <a:rPr lang="en-US" dirty="0"/>
               <a:pPr/>
-              <a:t>3/12/19</a:t>
+              <a:t>3/17/2019</a:t>
             </a:fld>
             <a:endParaRPr lang="en-US" dirty="0"/>
           </a:p>
@@ -3821,7 +3821,7 @@
             <a:fld id="{B61BEF0D-F0BB-DE4B-95CE-6DB70DBA9567}" type="datetimeFigureOut">
               <a:rPr lang="en-US" dirty="0"/>
               <a:pPr/>
-              <a:t>3/12/19</a:t>
+              <a:t>3/17/2019</a:t>
             </a:fld>
             <a:endParaRPr lang="en-US" dirty="0"/>
           </a:p>
@@ -3941,7 +3941,7 @@
             <a:fld id="{B61BEF0D-F0BB-DE4B-95CE-6DB70DBA9567}" type="datetimeFigureOut">
               <a:rPr lang="en-US" dirty="0"/>
               <a:pPr/>
-              <a:t>3/12/19</a:t>
+              <a:t>3/17/2019</a:t>
             </a:fld>
             <a:endParaRPr lang="en-US" dirty="0"/>
           </a:p>
@@ -4033,7 +4033,7 @@
             <a:fld id="{B61BEF0D-F0BB-DE4B-95CE-6DB70DBA9567}" type="datetimeFigureOut">
               <a:rPr lang="en-US" dirty="0"/>
               <a:pPr/>
-              <a:t>3/12/19</a:t>
+              <a:t>3/17/2019</a:t>
             </a:fld>
             <a:endParaRPr lang="en-US" dirty="0"/>
           </a:p>
@@ -4285,7 +4285,7 @@
             <a:fld id="{42A54C80-263E-416B-A8E0-580EDEADCBDC}" type="datetimeFigureOut">
               <a:rPr lang="en-US" dirty="0"/>
               <a:pPr/>
-              <a:t>3/12/19</a:t>
+              <a:t>3/17/2019</a:t>
             </a:fld>
             <a:endParaRPr lang="en-US" dirty="0"/>
           </a:p>
@@ -4588,7 +4588,7 @@
             <a:fld id="{B61BEF0D-F0BB-DE4B-95CE-6DB70DBA9567}" type="datetimeFigureOut">
               <a:rPr lang="en-US" dirty="0"/>
               <a:pPr/>
-              <a:t>3/12/19</a:t>
+              <a:t>3/17/2019</a:t>
             </a:fld>
             <a:endParaRPr lang="en-US" dirty="0"/>
           </a:p>
@@ -5286,7 +5286,7 @@
             <a:fld id="{B61BEF0D-F0BB-DE4B-95CE-6DB70DBA9567}" type="datetimeFigureOut">
               <a:rPr lang="en-US" dirty="0"/>
               <a:pPr/>
-              <a:t>3/12/19</a:t>
+              <a:t>3/17/2019</a:t>
             </a:fld>
             <a:endParaRPr lang="en-US" dirty="0"/>
           </a:p>
@@ -11648,7 +11648,7 @@
                 <a:latin typeface="Arial" panose="020B0604020202020204" pitchFamily="34" charset="0"/>
                 <a:cs typeface="Arial" panose="020B0604020202020204" pitchFamily="34" charset="0"/>
               </a:rPr>
-              <a:t>2.1.Viết </a:t>
+              <a:t>2.2.Viết </a:t>
             </a:r>
             <a:r>
               <a:rPr lang="en-US" sz="2600" dirty="0" err="1">
@@ -12005,7 +12005,7 @@
                 <a:latin typeface="Arial" panose="020B0604020202020204" pitchFamily="34" charset="0"/>
                 <a:cs typeface="Arial" panose="020B0604020202020204" pitchFamily="34" charset="0"/>
               </a:rPr>
-              <a:t>2.1. </a:t>
+              <a:t>2.3. </a:t>
             </a:r>
             <a:r>
               <a:rPr lang="en-US" sz="2600" dirty="0" err="1">
@@ -12442,7 +12442,7 @@
                 <a:latin typeface="Arial" panose="020B0604020202020204" pitchFamily="34" charset="0"/>
                 <a:cs typeface="Arial" panose="020B0604020202020204" pitchFamily="34" charset="0"/>
               </a:rPr>
-              <a:t>2.1. </a:t>
+              <a:t>2.4. </a:t>
             </a:r>
             <a:r>
               <a:rPr lang="en-US" sz="2600" dirty="0" err="1">
@@ -12791,7 +12791,211 @@
                 <a:latin typeface="Arial" panose="020B0604020202020204" pitchFamily="34" charset="0"/>
                 <a:cs typeface="Arial" panose="020B0604020202020204" pitchFamily="34" charset="0"/>
               </a:rPr>
-              <a:t>2.1.Viết </a:t>
+              <a:t>2.5.Sử </a:t>
+            </a:r>
+            <a:r>
+              <a:rPr lang="en-US" sz="2600" dirty="0" err="1">
+                <a:solidFill>
+                  <a:schemeClr val="tx1"/>
+                </a:solidFill>
+                <a:latin typeface="Arial" panose="020B0604020202020204" pitchFamily="34" charset="0"/>
+                <a:cs typeface="Arial" panose="020B0604020202020204" pitchFamily="34" charset="0"/>
+              </a:rPr>
+              <a:t>dụng</a:t>
+            </a:r>
+            <a:r>
+              <a:rPr lang="en-US" sz="2600" dirty="0">
+                <a:solidFill>
+                  <a:schemeClr val="tx1"/>
+                </a:solidFill>
+                <a:latin typeface="Arial" panose="020B0604020202020204" pitchFamily="34" charset="0"/>
+                <a:cs typeface="Arial" panose="020B0604020202020204" pitchFamily="34" charset="0"/>
+              </a:rPr>
+              <a:t> </a:t>
+            </a:r>
+            <a:r>
+              <a:rPr lang="en-US" sz="2600" dirty="0" err="1">
+                <a:solidFill>
+                  <a:schemeClr val="tx1"/>
+                </a:solidFill>
+                <a:latin typeface="Arial" panose="020B0604020202020204" pitchFamily="34" charset="0"/>
+                <a:cs typeface="Arial" panose="020B0604020202020204" pitchFamily="34" charset="0"/>
+              </a:rPr>
+              <a:t>kết</a:t>
+            </a:r>
+            <a:r>
+              <a:rPr lang="en-US" sz="2600" dirty="0">
+                <a:solidFill>
+                  <a:schemeClr val="tx1"/>
+                </a:solidFill>
+                <a:latin typeface="Arial" panose="020B0604020202020204" pitchFamily="34" charset="0"/>
+                <a:cs typeface="Arial" panose="020B0604020202020204" pitchFamily="34" charset="0"/>
+              </a:rPr>
+              <a:t> </a:t>
+            </a:r>
+            <a:r>
+              <a:rPr lang="en-US" sz="2600" dirty="0" err="1">
+                <a:solidFill>
+                  <a:schemeClr val="tx1"/>
+                </a:solidFill>
+                <a:latin typeface="Arial" panose="020B0604020202020204" pitchFamily="34" charset="0"/>
+                <a:cs typeface="Arial" panose="020B0604020202020204" pitchFamily="34" charset="0"/>
+              </a:rPr>
+              <a:t>hợp</a:t>
+            </a:r>
+            <a:r>
+              <a:rPr lang="en-US" sz="2600" dirty="0">
+                <a:solidFill>
+                  <a:schemeClr val="tx1"/>
+                </a:solidFill>
+                <a:latin typeface="Arial" panose="020B0604020202020204" pitchFamily="34" charset="0"/>
+                <a:cs typeface="Arial" panose="020B0604020202020204" pitchFamily="34" charset="0"/>
+              </a:rPr>
+              <a:t> </a:t>
+            </a:r>
+            <a:r>
+              <a:rPr lang="en-US" sz="2600" dirty="0" err="1">
+                <a:solidFill>
+                  <a:schemeClr val="tx1"/>
+                </a:solidFill>
+                <a:latin typeface="Arial" panose="020B0604020202020204" pitchFamily="34" charset="0"/>
+                <a:cs typeface="Arial" panose="020B0604020202020204" pitchFamily="34" charset="0"/>
+              </a:rPr>
+              <a:t>các</a:t>
+            </a:r>
+            <a:r>
+              <a:rPr lang="en-US" sz="2600" dirty="0">
+                <a:solidFill>
+                  <a:schemeClr val="tx1"/>
+                </a:solidFill>
+                <a:latin typeface="Arial" panose="020B0604020202020204" pitchFamily="34" charset="0"/>
+                <a:cs typeface="Arial" panose="020B0604020202020204" pitchFamily="34" charset="0"/>
+              </a:rPr>
+              <a:t> </a:t>
+            </a:r>
+            <a:r>
+              <a:rPr lang="en-US" sz="2600" dirty="0" err="1">
+                <a:solidFill>
+                  <a:schemeClr val="tx1"/>
+                </a:solidFill>
+                <a:latin typeface="Arial" panose="020B0604020202020204" pitchFamily="34" charset="0"/>
+                <a:cs typeface="Arial" panose="020B0604020202020204" pitchFamily="34" charset="0"/>
+              </a:rPr>
+              <a:t>cách</a:t>
+            </a:r>
+            <a:r>
+              <a:rPr lang="en-US" sz="2600" dirty="0">
+                <a:solidFill>
+                  <a:schemeClr val="tx1"/>
+                </a:solidFill>
+                <a:latin typeface="Arial" panose="020B0604020202020204" pitchFamily="34" charset="0"/>
+                <a:cs typeface="Arial" panose="020B0604020202020204" pitchFamily="34" charset="0"/>
+              </a:rPr>
+              <a:t> </a:t>
+            </a:r>
+            <a:r>
+              <a:rPr lang="en-US" sz="2600" dirty="0" err="1">
+                <a:solidFill>
+                  <a:schemeClr val="tx1"/>
+                </a:solidFill>
+                <a:latin typeface="Arial" panose="020B0604020202020204" pitchFamily="34" charset="0"/>
+                <a:cs typeface="Arial" panose="020B0604020202020204" pitchFamily="34" charset="0"/>
+              </a:rPr>
+              <a:t>viết</a:t>
+            </a:r>
+            <a:r>
+              <a:rPr lang="en-US" sz="2600" dirty="0">
+                <a:solidFill>
+                  <a:schemeClr val="tx1"/>
+                </a:solidFill>
+                <a:latin typeface="Arial" panose="020B0604020202020204" pitchFamily="34" charset="0"/>
+                <a:cs typeface="Arial" panose="020B0604020202020204" pitchFamily="34" charset="0"/>
+              </a:rPr>
+              <a:t> components </a:t>
+            </a:r>
+            <a:r>
+              <a:rPr lang="en-US" sz="2600" dirty="0" err="1">
+                <a:solidFill>
+                  <a:schemeClr val="tx1"/>
+                </a:solidFill>
+                <a:latin typeface="Arial" panose="020B0604020202020204" pitchFamily="34" charset="0"/>
+                <a:cs typeface="Arial" panose="020B0604020202020204" pitchFamily="34" charset="0"/>
+              </a:rPr>
+              <a:t>dạng</a:t>
+            </a:r>
+            <a:r>
+              <a:rPr lang="en-US" sz="2600" dirty="0">
+                <a:solidFill>
+                  <a:schemeClr val="tx1"/>
+                </a:solidFill>
+                <a:latin typeface="Arial" panose="020B0604020202020204" pitchFamily="34" charset="0"/>
+                <a:cs typeface="Arial" panose="020B0604020202020204" pitchFamily="34" charset="0"/>
+              </a:rPr>
+              <a:t> </a:t>
+            </a:r>
+            <a:r>
+              <a:rPr lang="en-US" sz="2600" dirty="0" err="1">
+                <a:solidFill>
+                  <a:schemeClr val="tx1"/>
+                </a:solidFill>
+                <a:latin typeface="Arial" panose="020B0604020202020204" pitchFamily="34" charset="0"/>
+                <a:cs typeface="Arial" panose="020B0604020202020204" pitchFamily="34" charset="0"/>
+              </a:rPr>
+              <a:t>hàm</a:t>
+            </a:r>
+            <a:r>
+              <a:rPr lang="en-US" sz="2600" dirty="0">
+                <a:solidFill>
+                  <a:schemeClr val="tx1"/>
+                </a:solidFill>
+                <a:latin typeface="Arial" panose="020B0604020202020204" pitchFamily="34" charset="0"/>
+                <a:cs typeface="Arial" panose="020B0604020202020204" pitchFamily="34" charset="0"/>
+              </a:rPr>
+              <a:t>(function) </a:t>
+            </a:r>
+            <a:r>
+              <a:rPr lang="en-US" sz="2600" dirty="0" err="1">
+                <a:solidFill>
+                  <a:schemeClr val="tx1"/>
+                </a:solidFill>
+                <a:latin typeface="Arial" panose="020B0604020202020204" pitchFamily="34" charset="0"/>
+                <a:cs typeface="Arial" panose="020B0604020202020204" pitchFamily="34" charset="0"/>
+              </a:rPr>
+              <a:t>và</a:t>
+            </a:r>
+            <a:r>
+              <a:rPr lang="en-US" sz="2600">
+                <a:solidFill>
+                  <a:schemeClr val="tx1"/>
+                </a:solidFill>
+                <a:latin typeface="Arial" panose="020B0604020202020204" pitchFamily="34" charset="0"/>
+                <a:cs typeface="Arial" panose="020B0604020202020204" pitchFamily="34" charset="0"/>
+              </a:rPr>
+              <a:t> class.</a:t>
+            </a:r>
+            <a:endParaRPr lang="en-US" sz="2600" dirty="0">
+              <a:solidFill>
+                <a:schemeClr val="tx1"/>
+              </a:solidFill>
+              <a:latin typeface="Arial" panose="020B0604020202020204" pitchFamily="34" charset="0"/>
+              <a:cs typeface="Arial" panose="020B0604020202020204" pitchFamily="34" charset="0"/>
+            </a:endParaRPr>
+          </a:p>
+          <a:p>
+            <a:pPr algn="l">
+              <a:spcAft>
+                <a:spcPts val="1200"/>
+              </a:spcAft>
+            </a:pPr>
+            <a:r>
+              <a:rPr lang="en-US" sz="2600" dirty="0">
+                <a:solidFill>
+                  <a:schemeClr val="tx1"/>
+                </a:solidFill>
+                <a:latin typeface="Arial" panose="020B0604020202020204" pitchFamily="34" charset="0"/>
+                <a:cs typeface="Arial" panose="020B0604020202020204" pitchFamily="34" charset="0"/>
+              </a:rPr>
+              <a:t>2.6.Viết </a:t>
             </a:r>
             <a:r>
               <a:rPr lang="en-US" sz="2600" dirty="0" err="1">

--- a/Phần 2-Component.pptx
+++ b/Phần 2-Component.pptx
@@ -12285,27 +12285,7 @@
                 <a:latin typeface="Arial" panose="020B0604020202020204" pitchFamily="34" charset="0"/>
                 <a:cs typeface="Arial" panose="020B0604020202020204" pitchFamily="34" charset="0"/>
               </a:rPr>
-              <a:t> Component, VD: “This is A”. </a:t>
-            </a:r>
-            <a:r>
-              <a:rPr lang="en-US" sz="2600" dirty="0" err="1">
-                <a:solidFill>
-                  <a:schemeClr val="tx1"/>
-                </a:solidFill>
-                <a:latin typeface="Arial" panose="020B0604020202020204" pitchFamily="34" charset="0"/>
-                <a:cs typeface="Arial" panose="020B0604020202020204" pitchFamily="34" charset="0"/>
-              </a:rPr>
-              <a:t>Thông</a:t>
-            </a:r>
-            <a:r>
-              <a:rPr lang="en-US" sz="2600" dirty="0">
-                <a:solidFill>
-                  <a:schemeClr val="tx1"/>
-                </a:solidFill>
-                <a:latin typeface="Arial" panose="020B0604020202020204" pitchFamily="34" charset="0"/>
-                <a:cs typeface="Arial" panose="020B0604020202020204" pitchFamily="34" charset="0"/>
-              </a:rPr>
-              <a:t> tin </a:t>
+              <a:t> Component, VD: “This is A”. String </a:t>
             </a:r>
             <a:r>
               <a:rPr lang="en-US" sz="2600" dirty="0" err="1">
@@ -12425,7 +12405,187 @@
                 <a:latin typeface="Arial" panose="020B0604020202020204" pitchFamily="34" charset="0"/>
                 <a:cs typeface="Arial" panose="020B0604020202020204" pitchFamily="34" charset="0"/>
               </a:rPr>
-              <a:t>, B,C </a:t>
+              <a:t>, </a:t>
+            </a:r>
+            <a:r>
+              <a:rPr lang="en-US" sz="2600" dirty="0" err="1">
+                <a:solidFill>
+                  <a:schemeClr val="tx1"/>
+                </a:solidFill>
+                <a:latin typeface="Arial" panose="020B0604020202020204" pitchFamily="34" charset="0"/>
+                <a:cs typeface="Arial" panose="020B0604020202020204" pitchFamily="34" charset="0"/>
+              </a:rPr>
+              <a:t>B,C.Chuẩn</a:t>
+            </a:r>
+            <a:r>
+              <a:rPr lang="en-US" sz="2600" dirty="0">
+                <a:solidFill>
+                  <a:schemeClr val="tx1"/>
+                </a:solidFill>
+                <a:latin typeface="Arial" panose="020B0604020202020204" pitchFamily="34" charset="0"/>
+                <a:cs typeface="Arial" panose="020B0604020202020204" pitchFamily="34" charset="0"/>
+              </a:rPr>
+              <a:t> </a:t>
+            </a:r>
+            <a:r>
+              <a:rPr lang="en-US" sz="2600" dirty="0" err="1">
+                <a:solidFill>
+                  <a:schemeClr val="tx1"/>
+                </a:solidFill>
+                <a:latin typeface="Arial" panose="020B0604020202020204" pitchFamily="34" charset="0"/>
+                <a:cs typeface="Arial" panose="020B0604020202020204" pitchFamily="34" charset="0"/>
+              </a:rPr>
+              <a:t>hóa</a:t>
+            </a:r>
+            <a:r>
+              <a:rPr lang="en-US" sz="2600" dirty="0">
+                <a:solidFill>
+                  <a:schemeClr val="tx1"/>
+                </a:solidFill>
+                <a:latin typeface="Arial" panose="020B0604020202020204" pitchFamily="34" charset="0"/>
+                <a:cs typeface="Arial" panose="020B0604020202020204" pitchFamily="34" charset="0"/>
+              </a:rPr>
+              <a:t> </a:t>
+            </a:r>
+            <a:r>
+              <a:rPr lang="en-US" sz="2600" dirty="0" err="1">
+                <a:solidFill>
+                  <a:schemeClr val="tx1"/>
+                </a:solidFill>
+                <a:latin typeface="Arial" panose="020B0604020202020204" pitchFamily="34" charset="0"/>
+                <a:cs typeface="Arial" panose="020B0604020202020204" pitchFamily="34" charset="0"/>
+              </a:rPr>
+              <a:t>lại</a:t>
+            </a:r>
+            <a:r>
+              <a:rPr lang="en-US" sz="2600" dirty="0">
+                <a:solidFill>
+                  <a:schemeClr val="tx1"/>
+                </a:solidFill>
+                <a:latin typeface="Arial" panose="020B0604020202020204" pitchFamily="34" charset="0"/>
+                <a:cs typeface="Arial" panose="020B0604020202020204" pitchFamily="34" charset="0"/>
+              </a:rPr>
+              <a:t> </a:t>
+            </a:r>
+            <a:r>
+              <a:rPr lang="en-US" sz="2600" dirty="0" err="1">
+                <a:solidFill>
+                  <a:schemeClr val="tx1"/>
+                </a:solidFill>
+                <a:latin typeface="Arial" panose="020B0604020202020204" pitchFamily="34" charset="0"/>
+                <a:cs typeface="Arial" panose="020B0604020202020204" pitchFamily="34" charset="0"/>
+              </a:rPr>
+              <a:t>kiểu</a:t>
+            </a:r>
+            <a:r>
+              <a:rPr lang="en-US" sz="2600" dirty="0">
+                <a:solidFill>
+                  <a:schemeClr val="tx1"/>
+                </a:solidFill>
+                <a:latin typeface="Arial" panose="020B0604020202020204" pitchFamily="34" charset="0"/>
+                <a:cs typeface="Arial" panose="020B0604020202020204" pitchFamily="34" charset="0"/>
+              </a:rPr>
+              <a:t> </a:t>
+            </a:r>
+            <a:r>
+              <a:rPr lang="en-US" sz="2600" dirty="0" err="1">
+                <a:solidFill>
+                  <a:schemeClr val="tx1"/>
+                </a:solidFill>
+                <a:latin typeface="Arial" panose="020B0604020202020204" pitchFamily="34" charset="0"/>
+                <a:cs typeface="Arial" panose="020B0604020202020204" pitchFamily="34" charset="0"/>
+              </a:rPr>
+              <a:t>dữ</a:t>
+            </a:r>
+            <a:r>
+              <a:rPr lang="en-US" sz="2600" dirty="0">
+                <a:solidFill>
+                  <a:schemeClr val="tx1"/>
+                </a:solidFill>
+                <a:latin typeface="Arial" panose="020B0604020202020204" pitchFamily="34" charset="0"/>
+                <a:cs typeface="Arial" panose="020B0604020202020204" pitchFamily="34" charset="0"/>
+              </a:rPr>
+              <a:t> </a:t>
+            </a:r>
+            <a:r>
+              <a:rPr lang="en-US" sz="2600" dirty="0" err="1">
+                <a:solidFill>
+                  <a:schemeClr val="tx1"/>
+                </a:solidFill>
+                <a:latin typeface="Arial" panose="020B0604020202020204" pitchFamily="34" charset="0"/>
+                <a:cs typeface="Arial" panose="020B0604020202020204" pitchFamily="34" charset="0"/>
+              </a:rPr>
+              <a:t>liệu</a:t>
+            </a:r>
+            <a:r>
+              <a:rPr lang="en-US" sz="2600" dirty="0">
+                <a:solidFill>
+                  <a:schemeClr val="tx1"/>
+                </a:solidFill>
+                <a:latin typeface="Arial" panose="020B0604020202020204" pitchFamily="34" charset="0"/>
+                <a:cs typeface="Arial" panose="020B0604020202020204" pitchFamily="34" charset="0"/>
+              </a:rPr>
+              <a:t> </a:t>
+            </a:r>
+            <a:r>
+              <a:rPr lang="en-US" sz="2600" dirty="0" err="1">
+                <a:solidFill>
+                  <a:schemeClr val="tx1"/>
+                </a:solidFill>
+                <a:latin typeface="Arial" panose="020B0604020202020204" pitchFamily="34" charset="0"/>
+                <a:cs typeface="Arial" panose="020B0604020202020204" pitchFamily="34" charset="0"/>
+              </a:rPr>
+              <a:t>trong</a:t>
+            </a:r>
+            <a:r>
+              <a:rPr lang="en-US" sz="2600" dirty="0">
+                <a:solidFill>
+                  <a:schemeClr val="tx1"/>
+                </a:solidFill>
+                <a:latin typeface="Arial" panose="020B0604020202020204" pitchFamily="34" charset="0"/>
+                <a:cs typeface="Arial" panose="020B0604020202020204" pitchFamily="34" charset="0"/>
+              </a:rPr>
+              <a:t> props </a:t>
+            </a:r>
+            <a:r>
+              <a:rPr lang="en-US" sz="2600" dirty="0" err="1">
+                <a:solidFill>
+                  <a:schemeClr val="tx1"/>
+                </a:solidFill>
+                <a:latin typeface="Arial" panose="020B0604020202020204" pitchFamily="34" charset="0"/>
+                <a:cs typeface="Arial" panose="020B0604020202020204" pitchFamily="34" charset="0"/>
+              </a:rPr>
+              <a:t>với</a:t>
+            </a:r>
+            <a:r>
+              <a:rPr lang="en-US" sz="2600" dirty="0">
+                <a:solidFill>
+                  <a:schemeClr val="tx1"/>
+                </a:solidFill>
+                <a:latin typeface="Arial" panose="020B0604020202020204" pitchFamily="34" charset="0"/>
+                <a:cs typeface="Arial" panose="020B0604020202020204" pitchFamily="34" charset="0"/>
+              </a:rPr>
+              <a:t> </a:t>
+            </a:r>
+            <a:r>
+              <a:rPr lang="en-US" sz="2600" dirty="0" err="1">
+                <a:solidFill>
+                  <a:schemeClr val="tx1"/>
+                </a:solidFill>
+                <a:latin typeface="Arial" panose="020B0604020202020204" pitchFamily="34" charset="0"/>
+                <a:cs typeface="Arial" panose="020B0604020202020204" pitchFamily="34" charset="0"/>
+              </a:rPr>
+              <a:t>PropTypes</a:t>
+            </a:r>
+            <a:r>
+              <a:rPr lang="en-US" sz="2600" dirty="0">
+                <a:solidFill>
+                  <a:schemeClr val="tx1"/>
+                </a:solidFill>
+                <a:latin typeface="Arial" panose="020B0604020202020204" pitchFamily="34" charset="0"/>
+                <a:cs typeface="Arial" panose="020B0604020202020204" pitchFamily="34" charset="0"/>
+              </a:rPr>
+              <a:t>. </a:t>
             </a:r>
           </a:p>
           <a:p>
@@ -12964,7 +13124,7 @@
               <a:t>và</a:t>
             </a:r>
             <a:r>
-              <a:rPr lang="en-US" sz="2600">
+              <a:rPr lang="en-US" sz="2600" dirty="0">
                 <a:solidFill>
                   <a:schemeClr val="tx1"/>
                 </a:solidFill>
@@ -12973,13 +13133,6 @@
               </a:rPr>
               <a:t> class.</a:t>
             </a:r>
-            <a:endParaRPr lang="en-US" sz="2600" dirty="0">
-              <a:solidFill>
-                <a:schemeClr val="tx1"/>
-              </a:solidFill>
-              <a:latin typeface="Arial" panose="020B0604020202020204" pitchFamily="34" charset="0"/>
-              <a:cs typeface="Arial" panose="020B0604020202020204" pitchFamily="34" charset="0"/>
-            </a:endParaRPr>
           </a:p>
           <a:p>
             <a:pPr algn="l">
@@ -13015,27 +13168,47 @@
                 <a:latin typeface="Arial" panose="020B0604020202020204" pitchFamily="34" charset="0"/>
                 <a:cs typeface="Arial" panose="020B0604020202020204" pitchFamily="34" charset="0"/>
               </a:rPr>
-              <a:t> Component </a:t>
-            </a:r>
-            <a:r>
-              <a:rPr lang="en-US" sz="2600" dirty="0" err="1">
-                <a:solidFill>
-                  <a:schemeClr val="tx1"/>
-                </a:solidFill>
-                <a:latin typeface="Arial" panose="020B0604020202020204" pitchFamily="34" charset="0"/>
-                <a:cs typeface="Arial" panose="020B0604020202020204" pitchFamily="34" charset="0"/>
-              </a:rPr>
-              <a:t>có</a:t>
-            </a:r>
-            <a:r>
-              <a:rPr lang="en-US" sz="2600" dirty="0">
-                <a:solidFill>
-                  <a:schemeClr val="tx1"/>
-                </a:solidFill>
-                <a:latin typeface="Arial" panose="020B0604020202020204" pitchFamily="34" charset="0"/>
-                <a:cs typeface="Arial" panose="020B0604020202020204" pitchFamily="34" charset="0"/>
-              </a:rPr>
-              <a:t> </a:t>
+              <a:t> </a:t>
+            </a:r>
+            <a:r>
+              <a:rPr lang="en-US" sz="2600" dirty="0" err="1">
+                <a:solidFill>
+                  <a:schemeClr val="tx1"/>
+                </a:solidFill>
+                <a:latin typeface="Arial" panose="020B0604020202020204" pitchFamily="34" charset="0"/>
+                <a:cs typeface="Arial" panose="020B0604020202020204" pitchFamily="34" charset="0"/>
+              </a:rPr>
+              <a:t>trang</a:t>
+            </a:r>
+            <a:r>
+              <a:rPr lang="en-US" sz="2600" dirty="0">
+                <a:solidFill>
+                  <a:schemeClr val="tx1"/>
+                </a:solidFill>
+                <a:latin typeface="Arial" panose="020B0604020202020204" pitchFamily="34" charset="0"/>
+                <a:cs typeface="Arial" panose="020B0604020202020204" pitchFamily="34" charset="0"/>
+              </a:rPr>
+              <a:t> </a:t>
+            </a:r>
+            <a:r>
+              <a:rPr lang="en-US" sz="2600" dirty="0" err="1">
+                <a:solidFill>
+                  <a:schemeClr val="tx1"/>
+                </a:solidFill>
+                <a:latin typeface="Arial" panose="020B0604020202020204" pitchFamily="34" charset="0"/>
+                <a:cs typeface="Arial" panose="020B0604020202020204" pitchFamily="34" charset="0"/>
+              </a:rPr>
+              <a:t>ProductList</a:t>
+            </a:r>
+            <a:r>
+              <a:rPr lang="en-US" sz="2600" dirty="0">
+                <a:solidFill>
+                  <a:schemeClr val="tx1"/>
+                </a:solidFill>
+                <a:latin typeface="Arial" panose="020B0604020202020204" pitchFamily="34" charset="0"/>
+                <a:cs typeface="Arial" panose="020B0604020202020204" pitchFamily="34" charset="0"/>
+              </a:rPr>
+              <a:t>, </a:t>
             </a:r>
             <a:r>
               <a:rPr lang="en-US" sz="2600" dirty="0" err="1">
@@ -13065,6 +13238,46 @@
                 <a:latin typeface="Arial" panose="020B0604020202020204" pitchFamily="34" charset="0"/>
                 <a:cs typeface="Arial" panose="020B0604020202020204" pitchFamily="34" charset="0"/>
               </a:rPr>
+              <a:t>danh</a:t>
+            </a:r>
+            <a:r>
+              <a:rPr lang="en-US" sz="2600" dirty="0">
+                <a:solidFill>
+                  <a:schemeClr val="tx1"/>
+                </a:solidFill>
+                <a:latin typeface="Arial" panose="020B0604020202020204" pitchFamily="34" charset="0"/>
+                <a:cs typeface="Arial" panose="020B0604020202020204" pitchFamily="34" charset="0"/>
+              </a:rPr>
+              <a:t> </a:t>
+            </a:r>
+            <a:r>
+              <a:rPr lang="en-US" sz="2600" dirty="0" err="1">
+                <a:solidFill>
+                  <a:schemeClr val="tx1"/>
+                </a:solidFill>
+                <a:latin typeface="Arial" panose="020B0604020202020204" pitchFamily="34" charset="0"/>
+                <a:cs typeface="Arial" panose="020B0604020202020204" pitchFamily="34" charset="0"/>
+              </a:rPr>
+              <a:t>sách</a:t>
+            </a:r>
+            <a:r>
+              <a:rPr lang="en-US" sz="2600" dirty="0">
+                <a:solidFill>
+                  <a:schemeClr val="tx1"/>
+                </a:solidFill>
+                <a:latin typeface="Arial" panose="020B0604020202020204" pitchFamily="34" charset="0"/>
+                <a:cs typeface="Arial" panose="020B0604020202020204" pitchFamily="34" charset="0"/>
+              </a:rPr>
+              <a:t> </a:t>
+            </a:r>
+            <a:r>
+              <a:rPr lang="en-US" sz="2600" dirty="0" err="1">
+                <a:solidFill>
+                  <a:schemeClr val="tx1"/>
+                </a:solidFill>
+                <a:latin typeface="Arial" panose="020B0604020202020204" pitchFamily="34" charset="0"/>
+                <a:cs typeface="Arial" panose="020B0604020202020204" pitchFamily="34" charset="0"/>
+              </a:rPr>
               <a:t>các</a:t>
             </a:r>
             <a:r>
@@ -13085,7 +13298,347 @@
                 <a:latin typeface="Arial" panose="020B0604020202020204" pitchFamily="34" charset="0"/>
                 <a:cs typeface="Arial" panose="020B0604020202020204" pitchFamily="34" charset="0"/>
               </a:rPr>
-              <a:t>TextInput</a:t>
+              <a:t>sản</a:t>
+            </a:r>
+            <a:r>
+              <a:rPr lang="en-US" sz="2600" dirty="0">
+                <a:solidFill>
+                  <a:schemeClr val="tx1"/>
+                </a:solidFill>
+                <a:latin typeface="Arial" panose="020B0604020202020204" pitchFamily="34" charset="0"/>
+                <a:cs typeface="Arial" panose="020B0604020202020204" pitchFamily="34" charset="0"/>
+              </a:rPr>
+              <a:t> </a:t>
+            </a:r>
+            <a:r>
+              <a:rPr lang="en-US" sz="2600" dirty="0" err="1">
+                <a:solidFill>
+                  <a:schemeClr val="tx1"/>
+                </a:solidFill>
+                <a:latin typeface="Arial" panose="020B0604020202020204" pitchFamily="34" charset="0"/>
+                <a:cs typeface="Arial" panose="020B0604020202020204" pitchFamily="34" charset="0"/>
+              </a:rPr>
+              <a:t>phẩm,form</a:t>
+            </a:r>
+            <a:r>
+              <a:rPr lang="en-US" sz="2600" dirty="0">
+                <a:solidFill>
+                  <a:schemeClr val="tx1"/>
+                </a:solidFill>
+                <a:latin typeface="Arial" panose="020B0604020202020204" pitchFamily="34" charset="0"/>
+                <a:cs typeface="Arial" panose="020B0604020202020204" pitchFamily="34" charset="0"/>
+              </a:rPr>
+              <a:t> </a:t>
+            </a:r>
+            <a:r>
+              <a:rPr lang="en-US" sz="2600" dirty="0" err="1">
+                <a:solidFill>
+                  <a:schemeClr val="tx1"/>
+                </a:solidFill>
+                <a:latin typeface="Arial" panose="020B0604020202020204" pitchFamily="34" charset="0"/>
+                <a:cs typeface="Arial" panose="020B0604020202020204" pitchFamily="34" charset="0"/>
+              </a:rPr>
+              <a:t>nhập</a:t>
+            </a:r>
+            <a:r>
+              <a:rPr lang="en-US" sz="2600" dirty="0">
+                <a:solidFill>
+                  <a:schemeClr val="tx1"/>
+                </a:solidFill>
+                <a:latin typeface="Arial" panose="020B0604020202020204" pitchFamily="34" charset="0"/>
+                <a:cs typeface="Arial" panose="020B0604020202020204" pitchFamily="34" charset="0"/>
+              </a:rPr>
+              <a:t> </a:t>
+            </a:r>
+            <a:r>
+              <a:rPr lang="en-US" sz="2600" dirty="0" err="1">
+                <a:solidFill>
+                  <a:schemeClr val="tx1"/>
+                </a:solidFill>
+                <a:latin typeface="Arial" panose="020B0604020202020204" pitchFamily="34" charset="0"/>
+                <a:cs typeface="Arial" panose="020B0604020202020204" pitchFamily="34" charset="0"/>
+              </a:rPr>
+              <a:t>dữ</a:t>
+            </a:r>
+            <a:r>
+              <a:rPr lang="en-US" sz="2600" dirty="0">
+                <a:solidFill>
+                  <a:schemeClr val="tx1"/>
+                </a:solidFill>
+                <a:latin typeface="Arial" panose="020B0604020202020204" pitchFamily="34" charset="0"/>
+                <a:cs typeface="Arial" panose="020B0604020202020204" pitchFamily="34" charset="0"/>
+              </a:rPr>
+              <a:t> </a:t>
+            </a:r>
+            <a:r>
+              <a:rPr lang="en-US" sz="2600" dirty="0" err="1">
+                <a:solidFill>
+                  <a:schemeClr val="tx1"/>
+                </a:solidFill>
+                <a:latin typeface="Arial" panose="020B0604020202020204" pitchFamily="34" charset="0"/>
+                <a:cs typeface="Arial" panose="020B0604020202020204" pitchFamily="34" charset="0"/>
+              </a:rPr>
+              <a:t>liệu</a:t>
+            </a:r>
+            <a:r>
+              <a:rPr lang="en-US" sz="2600" dirty="0">
+                <a:solidFill>
+                  <a:schemeClr val="tx1"/>
+                </a:solidFill>
+                <a:latin typeface="Arial" panose="020B0604020202020204" pitchFamily="34" charset="0"/>
+                <a:cs typeface="Arial" panose="020B0604020202020204" pitchFamily="34" charset="0"/>
+              </a:rPr>
+              <a:t> </a:t>
+            </a:r>
+            <a:r>
+              <a:rPr lang="en-US" sz="2600" dirty="0" err="1">
+                <a:solidFill>
+                  <a:schemeClr val="tx1"/>
+                </a:solidFill>
+                <a:latin typeface="Arial" panose="020B0604020202020204" pitchFamily="34" charset="0"/>
+                <a:cs typeface="Arial" panose="020B0604020202020204" pitchFamily="34" charset="0"/>
+              </a:rPr>
+              <a:t>cho</a:t>
+            </a:r>
+            <a:r>
+              <a:rPr lang="en-US" sz="2600" dirty="0">
+                <a:solidFill>
+                  <a:schemeClr val="tx1"/>
+                </a:solidFill>
+                <a:latin typeface="Arial" panose="020B0604020202020204" pitchFamily="34" charset="0"/>
+                <a:cs typeface="Arial" panose="020B0604020202020204" pitchFamily="34" charset="0"/>
+              </a:rPr>
+              <a:t> </a:t>
+            </a:r>
+            <a:r>
+              <a:rPr lang="en-US" sz="2600" dirty="0" err="1">
+                <a:solidFill>
+                  <a:schemeClr val="tx1"/>
+                </a:solidFill>
+                <a:latin typeface="Arial" panose="020B0604020202020204" pitchFamily="34" charset="0"/>
+                <a:cs typeface="Arial" panose="020B0604020202020204" pitchFamily="34" charset="0"/>
+              </a:rPr>
+              <a:t>sản</a:t>
+            </a:r>
+            <a:r>
+              <a:rPr lang="en-US" sz="2600" dirty="0">
+                <a:solidFill>
+                  <a:schemeClr val="tx1"/>
+                </a:solidFill>
+                <a:latin typeface="Arial" panose="020B0604020202020204" pitchFamily="34" charset="0"/>
+                <a:cs typeface="Arial" panose="020B0604020202020204" pitchFamily="34" charset="0"/>
+              </a:rPr>
+              <a:t> </a:t>
+            </a:r>
+            <a:r>
+              <a:rPr lang="en-US" sz="2600" dirty="0" err="1">
+                <a:solidFill>
+                  <a:schemeClr val="tx1"/>
+                </a:solidFill>
+                <a:latin typeface="Arial" panose="020B0604020202020204" pitchFamily="34" charset="0"/>
+                <a:cs typeface="Arial" panose="020B0604020202020204" pitchFamily="34" charset="0"/>
+              </a:rPr>
+              <a:t>phẩm</a:t>
+            </a:r>
+            <a:r>
+              <a:rPr lang="en-US" sz="2600" dirty="0">
+                <a:solidFill>
+                  <a:schemeClr val="tx1"/>
+                </a:solidFill>
+                <a:latin typeface="Arial" panose="020B0604020202020204" pitchFamily="34" charset="0"/>
+                <a:cs typeface="Arial" panose="020B0604020202020204" pitchFamily="34" charset="0"/>
+              </a:rPr>
+              <a:t> </a:t>
+            </a:r>
+            <a:r>
+              <a:rPr lang="en-US" sz="2600" dirty="0" err="1">
+                <a:solidFill>
+                  <a:schemeClr val="tx1"/>
+                </a:solidFill>
+                <a:latin typeface="Arial" panose="020B0604020202020204" pitchFamily="34" charset="0"/>
+                <a:cs typeface="Arial" panose="020B0604020202020204" pitchFamily="34" charset="0"/>
+              </a:rPr>
+              <a:t>mới</a:t>
+            </a:r>
+            <a:r>
+              <a:rPr lang="en-US" sz="2600" dirty="0">
+                <a:solidFill>
+                  <a:schemeClr val="tx1"/>
+                </a:solidFill>
+                <a:latin typeface="Arial" panose="020B0604020202020204" pitchFamily="34" charset="0"/>
+                <a:cs typeface="Arial" panose="020B0604020202020204" pitchFamily="34" charset="0"/>
+              </a:rPr>
+              <a:t> ở </a:t>
+            </a:r>
+            <a:r>
+              <a:rPr lang="en-US" sz="2600" dirty="0" err="1">
+                <a:solidFill>
+                  <a:schemeClr val="tx1"/>
+                </a:solidFill>
+                <a:latin typeface="Arial" panose="020B0604020202020204" pitchFamily="34" charset="0"/>
+                <a:cs typeface="Arial" panose="020B0604020202020204" pitchFamily="34" charset="0"/>
+              </a:rPr>
+              <a:t>cuối</a:t>
+            </a:r>
+            <a:r>
+              <a:rPr lang="en-US" sz="2600" dirty="0">
+                <a:solidFill>
+                  <a:schemeClr val="tx1"/>
+                </a:solidFill>
+                <a:latin typeface="Arial" panose="020B0604020202020204" pitchFamily="34" charset="0"/>
+                <a:cs typeface="Arial" panose="020B0604020202020204" pitchFamily="34" charset="0"/>
+              </a:rPr>
+              <a:t> </a:t>
+            </a:r>
+            <a:r>
+              <a:rPr lang="en-US" sz="2600" dirty="0" err="1">
+                <a:solidFill>
+                  <a:schemeClr val="tx1"/>
+                </a:solidFill>
+                <a:latin typeface="Arial" panose="020B0604020202020204" pitchFamily="34" charset="0"/>
+                <a:cs typeface="Arial" panose="020B0604020202020204" pitchFamily="34" charset="0"/>
+              </a:rPr>
+              <a:t>danh</a:t>
+            </a:r>
+            <a:r>
+              <a:rPr lang="en-US" sz="2600" dirty="0">
+                <a:solidFill>
+                  <a:schemeClr val="tx1"/>
+                </a:solidFill>
+                <a:latin typeface="Arial" panose="020B0604020202020204" pitchFamily="34" charset="0"/>
+                <a:cs typeface="Arial" panose="020B0604020202020204" pitchFamily="34" charset="0"/>
+              </a:rPr>
+              <a:t> </a:t>
+            </a:r>
+            <a:r>
+              <a:rPr lang="en-US" sz="2600" dirty="0" err="1">
+                <a:solidFill>
+                  <a:schemeClr val="tx1"/>
+                </a:solidFill>
+                <a:latin typeface="Arial" panose="020B0604020202020204" pitchFamily="34" charset="0"/>
+                <a:cs typeface="Arial" panose="020B0604020202020204" pitchFamily="34" charset="0"/>
+              </a:rPr>
+              <a:t>sách</a:t>
+            </a:r>
+            <a:r>
+              <a:rPr lang="en-US" sz="2600" dirty="0">
+                <a:solidFill>
+                  <a:schemeClr val="tx1"/>
+                </a:solidFill>
+                <a:latin typeface="Arial" panose="020B0604020202020204" pitchFamily="34" charset="0"/>
+                <a:cs typeface="Arial" panose="020B0604020202020204" pitchFamily="34" charset="0"/>
+              </a:rPr>
+              <a:t>. </a:t>
+            </a:r>
+            <a:r>
+              <a:rPr lang="en-US" sz="2600" dirty="0" err="1">
+                <a:solidFill>
+                  <a:schemeClr val="tx1"/>
+                </a:solidFill>
+                <a:latin typeface="Arial" panose="020B0604020202020204" pitchFamily="34" charset="0"/>
+                <a:cs typeface="Arial" panose="020B0604020202020204" pitchFamily="34" charset="0"/>
+              </a:rPr>
+              <a:t>Xây</a:t>
+            </a:r>
+            <a:r>
+              <a:rPr lang="en-US" sz="2600" dirty="0">
+                <a:solidFill>
+                  <a:schemeClr val="tx1"/>
+                </a:solidFill>
+                <a:latin typeface="Arial" panose="020B0604020202020204" pitchFamily="34" charset="0"/>
+                <a:cs typeface="Arial" panose="020B0604020202020204" pitchFamily="34" charset="0"/>
+              </a:rPr>
+              <a:t> </a:t>
+            </a:r>
+            <a:r>
+              <a:rPr lang="en-US" sz="2600" dirty="0" err="1">
+                <a:solidFill>
+                  <a:schemeClr val="tx1"/>
+                </a:solidFill>
+                <a:latin typeface="Arial" panose="020B0604020202020204" pitchFamily="34" charset="0"/>
+                <a:cs typeface="Arial" panose="020B0604020202020204" pitchFamily="34" charset="0"/>
+              </a:rPr>
+              <a:t>dựng</a:t>
+            </a:r>
+            <a:r>
+              <a:rPr lang="en-US" sz="2600" dirty="0">
+                <a:solidFill>
+                  <a:schemeClr val="tx1"/>
+                </a:solidFill>
+                <a:latin typeface="Arial" panose="020B0604020202020204" pitchFamily="34" charset="0"/>
+                <a:cs typeface="Arial" panose="020B0604020202020204" pitchFamily="34" charset="0"/>
+              </a:rPr>
+              <a:t> </a:t>
+            </a:r>
+            <a:r>
+              <a:rPr lang="en-US" sz="2600" dirty="0" err="1">
+                <a:solidFill>
+                  <a:schemeClr val="tx1"/>
+                </a:solidFill>
+                <a:latin typeface="Arial" panose="020B0604020202020204" pitchFamily="34" charset="0"/>
+                <a:cs typeface="Arial" panose="020B0604020202020204" pitchFamily="34" charset="0"/>
+              </a:rPr>
+              <a:t>các</a:t>
+            </a:r>
+            <a:r>
+              <a:rPr lang="en-US" sz="2600" dirty="0">
+                <a:solidFill>
+                  <a:schemeClr val="tx1"/>
+                </a:solidFill>
+                <a:latin typeface="Arial" panose="020B0604020202020204" pitchFamily="34" charset="0"/>
+                <a:cs typeface="Arial" panose="020B0604020202020204" pitchFamily="34" charset="0"/>
+              </a:rPr>
+              <a:t> </a:t>
+            </a:r>
+            <a:r>
+              <a:rPr lang="en-US" sz="2600" dirty="0" err="1">
+                <a:solidFill>
+                  <a:schemeClr val="tx1"/>
+                </a:solidFill>
+                <a:latin typeface="Arial" panose="020B0604020202020204" pitchFamily="34" charset="0"/>
+                <a:cs typeface="Arial" panose="020B0604020202020204" pitchFamily="34" charset="0"/>
+              </a:rPr>
+              <a:t>chức</a:t>
+            </a:r>
+            <a:r>
+              <a:rPr lang="en-US" sz="2600" dirty="0">
+                <a:solidFill>
+                  <a:schemeClr val="tx1"/>
+                </a:solidFill>
+                <a:latin typeface="Arial" panose="020B0604020202020204" pitchFamily="34" charset="0"/>
+                <a:cs typeface="Arial" panose="020B0604020202020204" pitchFamily="34" charset="0"/>
+              </a:rPr>
+              <a:t> </a:t>
+            </a:r>
+            <a:r>
+              <a:rPr lang="en-US" sz="2600" dirty="0" err="1">
+                <a:solidFill>
+                  <a:schemeClr val="tx1"/>
+                </a:solidFill>
+                <a:latin typeface="Arial" panose="020B0604020202020204" pitchFamily="34" charset="0"/>
+                <a:cs typeface="Arial" panose="020B0604020202020204" pitchFamily="34" charset="0"/>
+              </a:rPr>
+              <a:t>năng</a:t>
+            </a:r>
+            <a:r>
+              <a:rPr lang="en-US" sz="2600" dirty="0">
+                <a:solidFill>
+                  <a:schemeClr val="tx1"/>
+                </a:solidFill>
+                <a:latin typeface="Arial" panose="020B0604020202020204" pitchFamily="34" charset="0"/>
+                <a:cs typeface="Arial" panose="020B0604020202020204" pitchFamily="34" charset="0"/>
+              </a:rPr>
+              <a:t> </a:t>
+            </a:r>
+            <a:r>
+              <a:rPr lang="en-US" sz="2600" dirty="0" err="1">
+                <a:solidFill>
+                  <a:schemeClr val="tx1"/>
+                </a:solidFill>
+                <a:latin typeface="Arial" panose="020B0604020202020204" pitchFamily="34" charset="0"/>
+                <a:cs typeface="Arial" panose="020B0604020202020204" pitchFamily="34" charset="0"/>
+              </a:rPr>
+              <a:t>thêm</a:t>
             </a:r>
             <a:r>
               <a:rPr lang="en-US" sz="2600" dirty="0">
@@ -13105,17 +13658,17 @@
                 <a:latin typeface="Arial" panose="020B0604020202020204" pitchFamily="34" charset="0"/>
                 <a:cs typeface="Arial" panose="020B0604020202020204" pitchFamily="34" charset="0"/>
               </a:rPr>
-              <a:t>nhập</a:t>
-            </a:r>
-            <a:r>
-              <a:rPr lang="en-US" sz="2600" dirty="0">
-                <a:solidFill>
-                  <a:schemeClr val="tx1"/>
-                </a:solidFill>
-                <a:latin typeface="Arial" panose="020B0604020202020204" pitchFamily="34" charset="0"/>
-                <a:cs typeface="Arial" panose="020B0604020202020204" pitchFamily="34" charset="0"/>
-              </a:rPr>
-              <a:t> </a:t>
+              <a:t>xóa</a:t>
+            </a:r>
+            <a:r>
+              <a:rPr lang="en-US" sz="2600" dirty="0">
+                <a:solidFill>
+                  <a:schemeClr val="tx1"/>
+                </a:solidFill>
+                <a:latin typeface="Arial" panose="020B0604020202020204" pitchFamily="34" charset="0"/>
+                <a:cs typeface="Arial" panose="020B0604020202020204" pitchFamily="34" charset="0"/>
+              </a:rPr>
+              <a:t>, </a:t>
             </a:r>
             <a:r>
               <a:rPr lang="en-US" sz="2600" dirty="0" err="1">
@@ -13175,776 +13728,8 @@
                 <a:latin typeface="Arial" panose="020B0604020202020204" pitchFamily="34" charset="0"/>
                 <a:cs typeface="Arial" panose="020B0604020202020204" pitchFamily="34" charset="0"/>
               </a:rPr>
-              <a:t>: </a:t>
-            </a:r>
-            <a:r>
-              <a:rPr lang="en-US" sz="2600" dirty="0" err="1">
-                <a:solidFill>
-                  <a:schemeClr val="tx1"/>
-                </a:solidFill>
-                <a:latin typeface="Arial" panose="020B0604020202020204" pitchFamily="34" charset="0"/>
-                <a:cs typeface="Arial" panose="020B0604020202020204" pitchFamily="34" charset="0"/>
-              </a:rPr>
-              <a:t>productName</a:t>
-            </a:r>
-            <a:r>
-              <a:rPr lang="en-US" sz="2600" dirty="0">
-                <a:solidFill>
-                  <a:schemeClr val="tx1"/>
-                </a:solidFill>
-                <a:latin typeface="Arial" panose="020B0604020202020204" pitchFamily="34" charset="0"/>
-                <a:cs typeface="Arial" panose="020B0604020202020204" pitchFamily="34" charset="0"/>
-              </a:rPr>
-              <a:t>, year, description, Button. </a:t>
-            </a:r>
-            <a:r>
-              <a:rPr lang="en-US" sz="2600" dirty="0" err="1">
-                <a:solidFill>
-                  <a:schemeClr val="tx1"/>
-                </a:solidFill>
-                <a:latin typeface="Arial" panose="020B0604020202020204" pitchFamily="34" charset="0"/>
-                <a:cs typeface="Arial" panose="020B0604020202020204" pitchFamily="34" charset="0"/>
-              </a:rPr>
-              <a:t>Một</a:t>
-            </a:r>
-            <a:r>
-              <a:rPr lang="en-US" sz="2600" dirty="0">
-                <a:solidFill>
-                  <a:schemeClr val="tx1"/>
-                </a:solidFill>
-                <a:latin typeface="Arial" panose="020B0604020202020204" pitchFamily="34" charset="0"/>
-                <a:cs typeface="Arial" panose="020B0604020202020204" pitchFamily="34" charset="0"/>
-              </a:rPr>
-              <a:t> Component </a:t>
-            </a:r>
-            <a:r>
-              <a:rPr lang="en-US" sz="2600" dirty="0" err="1">
-                <a:solidFill>
-                  <a:schemeClr val="tx1"/>
-                </a:solidFill>
-                <a:latin typeface="Arial" panose="020B0604020202020204" pitchFamily="34" charset="0"/>
-                <a:cs typeface="Arial" panose="020B0604020202020204" pitchFamily="34" charset="0"/>
-              </a:rPr>
-              <a:t>khác</a:t>
-            </a:r>
-            <a:r>
-              <a:rPr lang="en-US" sz="2600" dirty="0">
-                <a:solidFill>
-                  <a:schemeClr val="tx1"/>
-                </a:solidFill>
-                <a:latin typeface="Arial" panose="020B0604020202020204" pitchFamily="34" charset="0"/>
-                <a:cs typeface="Arial" panose="020B0604020202020204" pitchFamily="34" charset="0"/>
-              </a:rPr>
-              <a:t> </a:t>
-            </a:r>
-            <a:r>
-              <a:rPr lang="en-US" sz="2600" dirty="0" err="1">
-                <a:solidFill>
-                  <a:schemeClr val="tx1"/>
-                </a:solidFill>
-                <a:latin typeface="Arial" panose="020B0604020202020204" pitchFamily="34" charset="0"/>
-                <a:cs typeface="Arial" panose="020B0604020202020204" pitchFamily="34" charset="0"/>
-              </a:rPr>
-              <a:t>chứa</a:t>
-            </a:r>
-            <a:r>
-              <a:rPr lang="en-US" sz="2600" dirty="0">
-                <a:solidFill>
-                  <a:schemeClr val="tx1"/>
-                </a:solidFill>
-                <a:latin typeface="Arial" panose="020B0604020202020204" pitchFamily="34" charset="0"/>
-                <a:cs typeface="Arial" panose="020B0604020202020204" pitchFamily="34" charset="0"/>
-              </a:rPr>
-              <a:t> </a:t>
-            </a:r>
-            <a:r>
-              <a:rPr lang="en-US" sz="2600" dirty="0" err="1">
-                <a:solidFill>
-                  <a:schemeClr val="tx1"/>
-                </a:solidFill>
-                <a:latin typeface="Arial" panose="020B0604020202020204" pitchFamily="34" charset="0"/>
-                <a:cs typeface="Arial" panose="020B0604020202020204" pitchFamily="34" charset="0"/>
-              </a:rPr>
-              <a:t>thông</a:t>
-            </a:r>
-            <a:r>
-              <a:rPr lang="en-US" sz="2600" dirty="0">
-                <a:solidFill>
-                  <a:schemeClr val="tx1"/>
-                </a:solidFill>
-                <a:latin typeface="Arial" panose="020B0604020202020204" pitchFamily="34" charset="0"/>
-                <a:cs typeface="Arial" panose="020B0604020202020204" pitchFamily="34" charset="0"/>
-              </a:rPr>
-              <a:t> tin </a:t>
-            </a:r>
-            <a:r>
-              <a:rPr lang="en-US" sz="2600" dirty="0" err="1">
-                <a:solidFill>
-                  <a:schemeClr val="tx1"/>
-                </a:solidFill>
-                <a:latin typeface="Arial" panose="020B0604020202020204" pitchFamily="34" charset="0"/>
-                <a:cs typeface="Arial" panose="020B0604020202020204" pitchFamily="34" charset="0"/>
-              </a:rPr>
-              <a:t>sản</a:t>
-            </a:r>
-            <a:r>
-              <a:rPr lang="en-US" sz="2600" dirty="0">
-                <a:solidFill>
-                  <a:schemeClr val="tx1"/>
-                </a:solidFill>
-                <a:latin typeface="Arial" panose="020B0604020202020204" pitchFamily="34" charset="0"/>
-                <a:cs typeface="Arial" panose="020B0604020202020204" pitchFamily="34" charset="0"/>
-              </a:rPr>
-              <a:t> </a:t>
-            </a:r>
-            <a:r>
-              <a:rPr lang="en-US" sz="2600" dirty="0" err="1">
-                <a:solidFill>
-                  <a:schemeClr val="tx1"/>
-                </a:solidFill>
-                <a:latin typeface="Arial" panose="020B0604020202020204" pitchFamily="34" charset="0"/>
-                <a:cs typeface="Arial" panose="020B0604020202020204" pitchFamily="34" charset="0"/>
-              </a:rPr>
-              <a:t>phẩm</a:t>
-            </a:r>
-            <a:r>
-              <a:rPr lang="en-US" sz="2600" dirty="0">
-                <a:solidFill>
-                  <a:schemeClr val="tx1"/>
-                </a:solidFill>
-                <a:latin typeface="Arial" panose="020B0604020202020204" pitchFamily="34" charset="0"/>
-                <a:cs typeface="Arial" panose="020B0604020202020204" pitchFamily="34" charset="0"/>
-              </a:rPr>
-              <a:t>(</a:t>
-            </a:r>
-            <a:r>
-              <a:rPr lang="en-US" sz="2600" dirty="0" err="1">
-                <a:solidFill>
-                  <a:schemeClr val="tx1"/>
-                </a:solidFill>
-                <a:latin typeface="Arial" panose="020B0604020202020204" pitchFamily="34" charset="0"/>
-                <a:cs typeface="Arial" panose="020B0604020202020204" pitchFamily="34" charset="0"/>
-              </a:rPr>
-              <a:t>lưu</a:t>
-            </a:r>
-            <a:r>
-              <a:rPr lang="en-US" sz="2600" dirty="0">
-                <a:solidFill>
-                  <a:schemeClr val="tx1"/>
-                </a:solidFill>
-                <a:latin typeface="Arial" panose="020B0604020202020204" pitchFamily="34" charset="0"/>
-                <a:cs typeface="Arial" panose="020B0604020202020204" pitchFamily="34" charset="0"/>
-              </a:rPr>
-              <a:t> </a:t>
-            </a:r>
-            <a:r>
-              <a:rPr lang="en-US" sz="2600" dirty="0" err="1">
-                <a:solidFill>
-                  <a:schemeClr val="tx1"/>
-                </a:solidFill>
-                <a:latin typeface="Arial" panose="020B0604020202020204" pitchFamily="34" charset="0"/>
-                <a:cs typeface="Arial" panose="020B0604020202020204" pitchFamily="34" charset="0"/>
-              </a:rPr>
-              <a:t>trong</a:t>
-            </a:r>
-            <a:r>
-              <a:rPr lang="en-US" sz="2600" dirty="0">
-                <a:solidFill>
-                  <a:schemeClr val="tx1"/>
-                </a:solidFill>
-                <a:latin typeface="Arial" panose="020B0604020202020204" pitchFamily="34" charset="0"/>
-                <a:cs typeface="Arial" panose="020B0604020202020204" pitchFamily="34" charset="0"/>
-              </a:rPr>
-              <a:t> </a:t>
-            </a:r>
-            <a:r>
-              <a:rPr lang="en-US" sz="2600" dirty="0" err="1">
-                <a:solidFill>
-                  <a:schemeClr val="tx1"/>
-                </a:solidFill>
-                <a:latin typeface="Arial" panose="020B0604020202020204" pitchFamily="34" charset="0"/>
-                <a:cs typeface="Arial" panose="020B0604020202020204" pitchFamily="34" charset="0"/>
-              </a:rPr>
-              <a:t>thẻ</a:t>
-            </a:r>
-            <a:r>
-              <a:rPr lang="en-US" sz="2600" dirty="0">
-                <a:solidFill>
-                  <a:schemeClr val="tx1"/>
-                </a:solidFill>
-                <a:latin typeface="Arial" panose="020B0604020202020204" pitchFamily="34" charset="0"/>
-                <a:cs typeface="Arial" panose="020B0604020202020204" pitchFamily="34" charset="0"/>
-              </a:rPr>
-              <a:t> &lt;p&gt;). </a:t>
-            </a:r>
-          </a:p>
-          <a:p>
-            <a:pPr algn="l">
-              <a:spcAft>
-                <a:spcPts val="1200"/>
-              </a:spcAft>
-            </a:pPr>
-            <a:r>
-              <a:rPr lang="en-US" sz="2600" dirty="0">
-                <a:solidFill>
-                  <a:schemeClr val="tx1"/>
-                </a:solidFill>
-                <a:latin typeface="Arial" panose="020B0604020202020204" pitchFamily="34" charset="0"/>
-                <a:cs typeface="Arial" panose="020B0604020202020204" pitchFamily="34" charset="0"/>
-              </a:rPr>
-              <a:t>-</a:t>
-            </a:r>
-            <a:r>
-              <a:rPr lang="en-US" sz="2600" dirty="0" err="1">
-                <a:solidFill>
-                  <a:schemeClr val="tx1"/>
-                </a:solidFill>
-                <a:latin typeface="Arial" panose="020B0604020202020204" pitchFamily="34" charset="0"/>
-                <a:cs typeface="Arial" panose="020B0604020202020204" pitchFamily="34" charset="0"/>
-              </a:rPr>
-              <a:t>Mỗi</a:t>
-            </a:r>
-            <a:r>
-              <a:rPr lang="en-US" sz="2600" dirty="0">
-                <a:solidFill>
-                  <a:schemeClr val="tx1"/>
-                </a:solidFill>
-                <a:latin typeface="Arial" panose="020B0604020202020204" pitchFamily="34" charset="0"/>
-                <a:cs typeface="Arial" panose="020B0604020202020204" pitchFamily="34" charset="0"/>
-              </a:rPr>
-              <a:t> </a:t>
-            </a:r>
-            <a:r>
-              <a:rPr lang="en-US" sz="2600" dirty="0" err="1">
-                <a:solidFill>
-                  <a:schemeClr val="tx1"/>
-                </a:solidFill>
-                <a:latin typeface="Arial" panose="020B0604020202020204" pitchFamily="34" charset="0"/>
-                <a:cs typeface="Arial" panose="020B0604020202020204" pitchFamily="34" charset="0"/>
-              </a:rPr>
-              <a:t>khi</a:t>
-            </a:r>
-            <a:r>
-              <a:rPr lang="en-US" sz="2600" dirty="0">
-                <a:solidFill>
-                  <a:schemeClr val="tx1"/>
-                </a:solidFill>
-                <a:latin typeface="Arial" panose="020B0604020202020204" pitchFamily="34" charset="0"/>
-                <a:cs typeface="Arial" panose="020B0604020202020204" pitchFamily="34" charset="0"/>
-              </a:rPr>
-              <a:t> </a:t>
-            </a:r>
-            <a:r>
-              <a:rPr lang="en-US" sz="2600" dirty="0" err="1">
-                <a:solidFill>
-                  <a:schemeClr val="tx1"/>
-                </a:solidFill>
-                <a:latin typeface="Arial" panose="020B0604020202020204" pitchFamily="34" charset="0"/>
-                <a:cs typeface="Arial" panose="020B0604020202020204" pitchFamily="34" charset="0"/>
-              </a:rPr>
-              <a:t>nhập</a:t>
-            </a:r>
-            <a:r>
-              <a:rPr lang="en-US" sz="2600" dirty="0">
-                <a:solidFill>
-                  <a:schemeClr val="tx1"/>
-                </a:solidFill>
-                <a:latin typeface="Arial" panose="020B0604020202020204" pitchFamily="34" charset="0"/>
-                <a:cs typeface="Arial" panose="020B0604020202020204" pitchFamily="34" charset="0"/>
-              </a:rPr>
-              <a:t> </a:t>
-            </a:r>
-            <a:r>
-              <a:rPr lang="en-US" sz="2600" dirty="0" err="1">
-                <a:solidFill>
-                  <a:schemeClr val="tx1"/>
-                </a:solidFill>
-                <a:latin typeface="Arial" panose="020B0604020202020204" pitchFamily="34" charset="0"/>
-                <a:cs typeface="Arial" panose="020B0604020202020204" pitchFamily="34" charset="0"/>
-              </a:rPr>
-              <a:t>thông</a:t>
-            </a:r>
-            <a:r>
-              <a:rPr lang="en-US" sz="2600" dirty="0">
-                <a:solidFill>
-                  <a:schemeClr val="tx1"/>
-                </a:solidFill>
-                <a:latin typeface="Arial" panose="020B0604020202020204" pitchFamily="34" charset="0"/>
-                <a:cs typeface="Arial" panose="020B0604020202020204" pitchFamily="34" charset="0"/>
-              </a:rPr>
-              <a:t> tin </a:t>
-            </a:r>
-            <a:r>
-              <a:rPr lang="en-US" sz="2600" dirty="0" err="1">
-                <a:solidFill>
-                  <a:schemeClr val="tx1"/>
-                </a:solidFill>
-                <a:latin typeface="Arial" panose="020B0604020202020204" pitchFamily="34" charset="0"/>
-                <a:cs typeface="Arial" panose="020B0604020202020204" pitchFamily="34" charset="0"/>
-              </a:rPr>
-              <a:t>và</a:t>
-            </a:r>
-            <a:r>
-              <a:rPr lang="en-US" sz="2600" dirty="0">
-                <a:solidFill>
-                  <a:schemeClr val="tx1"/>
-                </a:solidFill>
-                <a:latin typeface="Arial" panose="020B0604020202020204" pitchFamily="34" charset="0"/>
-                <a:cs typeface="Arial" panose="020B0604020202020204" pitchFamily="34" charset="0"/>
-              </a:rPr>
-              <a:t> </a:t>
-            </a:r>
-            <a:r>
-              <a:rPr lang="en-US" sz="2600" dirty="0" err="1">
-                <a:solidFill>
-                  <a:schemeClr val="tx1"/>
-                </a:solidFill>
-                <a:latin typeface="Arial" panose="020B0604020202020204" pitchFamily="34" charset="0"/>
-                <a:cs typeface="Arial" panose="020B0604020202020204" pitchFamily="34" charset="0"/>
-              </a:rPr>
-              <a:t>bấm</a:t>
-            </a:r>
-            <a:r>
-              <a:rPr lang="en-US" sz="2600" dirty="0">
-                <a:solidFill>
-                  <a:schemeClr val="tx1"/>
-                </a:solidFill>
-                <a:latin typeface="Arial" panose="020B0604020202020204" pitchFamily="34" charset="0"/>
-                <a:cs typeface="Arial" panose="020B0604020202020204" pitchFamily="34" charset="0"/>
-              </a:rPr>
-              <a:t> Button, </a:t>
-            </a:r>
-            <a:r>
-              <a:rPr lang="en-US" sz="2600" dirty="0" err="1">
-                <a:solidFill>
-                  <a:schemeClr val="tx1"/>
-                </a:solidFill>
-                <a:latin typeface="Arial" panose="020B0604020202020204" pitchFamily="34" charset="0"/>
-                <a:cs typeface="Arial" panose="020B0604020202020204" pitchFamily="34" charset="0"/>
-              </a:rPr>
-              <a:t>thông</a:t>
-            </a:r>
-            <a:r>
-              <a:rPr lang="en-US" sz="2600" dirty="0">
-                <a:solidFill>
-                  <a:schemeClr val="tx1"/>
-                </a:solidFill>
-                <a:latin typeface="Arial" panose="020B0604020202020204" pitchFamily="34" charset="0"/>
-                <a:cs typeface="Arial" panose="020B0604020202020204" pitchFamily="34" charset="0"/>
-              </a:rPr>
-              <a:t> tin </a:t>
-            </a:r>
-            <a:r>
-              <a:rPr lang="en-US" sz="2600" dirty="0" err="1">
-                <a:solidFill>
-                  <a:schemeClr val="tx1"/>
-                </a:solidFill>
-                <a:latin typeface="Arial" panose="020B0604020202020204" pitchFamily="34" charset="0"/>
-                <a:cs typeface="Arial" panose="020B0604020202020204" pitchFamily="34" charset="0"/>
-              </a:rPr>
-              <a:t>trong</a:t>
-            </a:r>
-            <a:r>
-              <a:rPr lang="en-US" sz="2600" dirty="0">
-                <a:solidFill>
-                  <a:schemeClr val="tx1"/>
-                </a:solidFill>
-                <a:latin typeface="Arial" panose="020B0604020202020204" pitchFamily="34" charset="0"/>
-                <a:cs typeface="Arial" panose="020B0604020202020204" pitchFamily="34" charset="0"/>
-              </a:rPr>
-              <a:t> </a:t>
-            </a:r>
-            <a:r>
-              <a:rPr lang="en-US" sz="2600" dirty="0" err="1">
-                <a:solidFill>
-                  <a:schemeClr val="tx1"/>
-                </a:solidFill>
-                <a:latin typeface="Arial" panose="020B0604020202020204" pitchFamily="34" charset="0"/>
-                <a:cs typeface="Arial" panose="020B0604020202020204" pitchFamily="34" charset="0"/>
-              </a:rPr>
-              <a:t>thẻ</a:t>
-            </a:r>
-            <a:r>
-              <a:rPr lang="en-US" sz="2600" dirty="0">
-                <a:solidFill>
-                  <a:schemeClr val="tx1"/>
-                </a:solidFill>
-                <a:latin typeface="Arial" panose="020B0604020202020204" pitchFamily="34" charset="0"/>
-                <a:cs typeface="Arial" panose="020B0604020202020204" pitchFamily="34" charset="0"/>
-              </a:rPr>
-              <a:t> p </a:t>
-            </a:r>
-            <a:r>
-              <a:rPr lang="en-US" sz="2600" dirty="0" err="1">
-                <a:solidFill>
-                  <a:schemeClr val="tx1"/>
-                </a:solidFill>
-                <a:latin typeface="Arial" panose="020B0604020202020204" pitchFamily="34" charset="0"/>
-                <a:cs typeface="Arial" panose="020B0604020202020204" pitchFamily="34" charset="0"/>
-              </a:rPr>
-              <a:t>thay</a:t>
-            </a:r>
-            <a:r>
-              <a:rPr lang="en-US" sz="2600" dirty="0">
-                <a:solidFill>
-                  <a:schemeClr val="tx1"/>
-                </a:solidFill>
-                <a:latin typeface="Arial" panose="020B0604020202020204" pitchFamily="34" charset="0"/>
-                <a:cs typeface="Arial" panose="020B0604020202020204" pitchFamily="34" charset="0"/>
-              </a:rPr>
-              <a:t> </a:t>
-            </a:r>
-            <a:r>
-              <a:rPr lang="en-US" sz="2600" dirty="0" err="1">
-                <a:solidFill>
-                  <a:schemeClr val="tx1"/>
-                </a:solidFill>
-                <a:latin typeface="Arial" panose="020B0604020202020204" pitchFamily="34" charset="0"/>
-                <a:cs typeface="Arial" panose="020B0604020202020204" pitchFamily="34" charset="0"/>
-              </a:rPr>
-              <a:t>đổi</a:t>
-            </a:r>
-            <a:r>
-              <a:rPr lang="en-US" sz="2600" dirty="0">
-                <a:solidFill>
-                  <a:schemeClr val="tx1"/>
-                </a:solidFill>
-                <a:latin typeface="Arial" panose="020B0604020202020204" pitchFamily="34" charset="0"/>
-                <a:cs typeface="Arial" panose="020B0604020202020204" pitchFamily="34" charset="0"/>
-              </a:rPr>
-              <a:t> </a:t>
-            </a:r>
-            <a:r>
-              <a:rPr lang="en-US" sz="2600" dirty="0" err="1">
-                <a:solidFill>
-                  <a:schemeClr val="tx1"/>
-                </a:solidFill>
-                <a:latin typeface="Arial" panose="020B0604020202020204" pitchFamily="34" charset="0"/>
-                <a:cs typeface="Arial" panose="020B0604020202020204" pitchFamily="34" charset="0"/>
-              </a:rPr>
-              <a:t>theo.</a:t>
-            </a:r>
-            <a:endParaRPr lang="en-US" sz="2600" dirty="0">
-              <a:solidFill>
-                <a:schemeClr val="tx1"/>
-              </a:solidFill>
-              <a:latin typeface="Arial" panose="020B0604020202020204" pitchFamily="34" charset="0"/>
-              <a:cs typeface="Arial" panose="020B0604020202020204" pitchFamily="34" charset="0"/>
-            </a:endParaRPr>
-          </a:p>
-          <a:p>
-            <a:pPr algn="l">
-              <a:spcAft>
-                <a:spcPts val="1200"/>
-              </a:spcAft>
-            </a:pPr>
-            <a:r>
-              <a:rPr lang="en-US" sz="2600" dirty="0">
-                <a:solidFill>
-                  <a:schemeClr val="tx1"/>
-                </a:solidFill>
-                <a:latin typeface="Arial" panose="020B0604020202020204" pitchFamily="34" charset="0"/>
-                <a:cs typeface="Arial" panose="020B0604020202020204" pitchFamily="34" charset="0"/>
-              </a:rPr>
-              <a:t>- </a:t>
-            </a:r>
-            <a:r>
-              <a:rPr lang="en-US" sz="2600" dirty="0" err="1">
-                <a:solidFill>
-                  <a:schemeClr val="tx1"/>
-                </a:solidFill>
-                <a:latin typeface="Arial" panose="020B0604020202020204" pitchFamily="34" charset="0"/>
-                <a:cs typeface="Arial" panose="020B0604020202020204" pitchFamily="34" charset="0"/>
-              </a:rPr>
-              <a:t>Không</a:t>
-            </a:r>
-            <a:r>
-              <a:rPr lang="en-US" sz="2600" dirty="0">
-                <a:solidFill>
-                  <a:schemeClr val="tx1"/>
-                </a:solidFill>
-                <a:latin typeface="Arial" panose="020B0604020202020204" pitchFamily="34" charset="0"/>
-                <a:cs typeface="Arial" panose="020B0604020202020204" pitchFamily="34" charset="0"/>
-              </a:rPr>
-              <a:t> </a:t>
-            </a:r>
-            <a:r>
-              <a:rPr lang="en-US" sz="2600" dirty="0" err="1">
-                <a:solidFill>
-                  <a:schemeClr val="tx1"/>
-                </a:solidFill>
-                <a:latin typeface="Arial" panose="020B0604020202020204" pitchFamily="34" charset="0"/>
-                <a:cs typeface="Arial" panose="020B0604020202020204" pitchFamily="34" charset="0"/>
-              </a:rPr>
-              <a:t>cần</a:t>
-            </a:r>
-            <a:r>
-              <a:rPr lang="en-US" sz="2600" dirty="0">
-                <a:solidFill>
-                  <a:schemeClr val="tx1"/>
-                </a:solidFill>
-                <a:latin typeface="Arial" panose="020B0604020202020204" pitchFamily="34" charset="0"/>
-                <a:cs typeface="Arial" panose="020B0604020202020204" pitchFamily="34" charset="0"/>
-              </a:rPr>
-              <a:t> </a:t>
-            </a:r>
-            <a:r>
-              <a:rPr lang="en-US" sz="2600" dirty="0" err="1">
-                <a:solidFill>
-                  <a:schemeClr val="tx1"/>
-                </a:solidFill>
-                <a:latin typeface="Arial" panose="020B0604020202020204" pitchFamily="34" charset="0"/>
-                <a:cs typeface="Arial" panose="020B0604020202020204" pitchFamily="34" charset="0"/>
-              </a:rPr>
-              <a:t>bấm</a:t>
-            </a:r>
-            <a:r>
-              <a:rPr lang="en-US" sz="2600" dirty="0">
-                <a:solidFill>
-                  <a:schemeClr val="tx1"/>
-                </a:solidFill>
-                <a:latin typeface="Arial" panose="020B0604020202020204" pitchFamily="34" charset="0"/>
-                <a:cs typeface="Arial" panose="020B0604020202020204" pitchFamily="34" charset="0"/>
-              </a:rPr>
-              <a:t> Button, </a:t>
-            </a:r>
-            <a:r>
-              <a:rPr lang="en-US" sz="2600" dirty="0" err="1">
-                <a:solidFill>
-                  <a:schemeClr val="tx1"/>
-                </a:solidFill>
-                <a:latin typeface="Arial" panose="020B0604020202020204" pitchFamily="34" charset="0"/>
-                <a:cs typeface="Arial" panose="020B0604020202020204" pitchFamily="34" charset="0"/>
-              </a:rPr>
-              <a:t>mỗi</a:t>
-            </a:r>
-            <a:r>
-              <a:rPr lang="en-US" sz="2600" dirty="0">
-                <a:solidFill>
-                  <a:schemeClr val="tx1"/>
-                </a:solidFill>
-                <a:latin typeface="Arial" panose="020B0604020202020204" pitchFamily="34" charset="0"/>
-                <a:cs typeface="Arial" panose="020B0604020202020204" pitchFamily="34" charset="0"/>
-              </a:rPr>
-              <a:t> </a:t>
-            </a:r>
-            <a:r>
-              <a:rPr lang="en-US" sz="2600" dirty="0" err="1">
-                <a:solidFill>
-                  <a:schemeClr val="tx1"/>
-                </a:solidFill>
-                <a:latin typeface="Arial" panose="020B0604020202020204" pitchFamily="34" charset="0"/>
-                <a:cs typeface="Arial" panose="020B0604020202020204" pitchFamily="34" charset="0"/>
-              </a:rPr>
-              <a:t>lần</a:t>
-            </a:r>
-            <a:r>
-              <a:rPr lang="en-US" sz="2600" dirty="0">
-                <a:solidFill>
-                  <a:schemeClr val="tx1"/>
-                </a:solidFill>
-                <a:latin typeface="Arial" panose="020B0604020202020204" pitchFamily="34" charset="0"/>
-                <a:cs typeface="Arial" panose="020B0604020202020204" pitchFamily="34" charset="0"/>
-              </a:rPr>
-              <a:t> </a:t>
-            </a:r>
-            <a:r>
-              <a:rPr lang="en-US" sz="2600" dirty="0" err="1">
-                <a:solidFill>
-                  <a:schemeClr val="tx1"/>
-                </a:solidFill>
-                <a:latin typeface="Arial" panose="020B0604020202020204" pitchFamily="34" charset="0"/>
-                <a:cs typeface="Arial" panose="020B0604020202020204" pitchFamily="34" charset="0"/>
-              </a:rPr>
-              <a:t>thay</a:t>
-            </a:r>
-            <a:r>
-              <a:rPr lang="en-US" sz="2600" dirty="0">
-                <a:solidFill>
-                  <a:schemeClr val="tx1"/>
-                </a:solidFill>
-                <a:latin typeface="Arial" panose="020B0604020202020204" pitchFamily="34" charset="0"/>
-                <a:cs typeface="Arial" panose="020B0604020202020204" pitchFamily="34" charset="0"/>
-              </a:rPr>
-              <a:t> </a:t>
-            </a:r>
-            <a:r>
-              <a:rPr lang="en-US" sz="2600" dirty="0" err="1">
-                <a:solidFill>
-                  <a:schemeClr val="tx1"/>
-                </a:solidFill>
-                <a:latin typeface="Arial" panose="020B0604020202020204" pitchFamily="34" charset="0"/>
-                <a:cs typeface="Arial" panose="020B0604020202020204" pitchFamily="34" charset="0"/>
-              </a:rPr>
-              <a:t>đổi</a:t>
-            </a:r>
-            <a:r>
-              <a:rPr lang="en-US" sz="2600" dirty="0">
-                <a:solidFill>
-                  <a:schemeClr val="tx1"/>
-                </a:solidFill>
-                <a:latin typeface="Arial" panose="020B0604020202020204" pitchFamily="34" charset="0"/>
-                <a:cs typeface="Arial" panose="020B0604020202020204" pitchFamily="34" charset="0"/>
-              </a:rPr>
-              <a:t> </a:t>
-            </a:r>
-            <a:r>
-              <a:rPr lang="en-US" sz="2600" dirty="0" err="1">
-                <a:solidFill>
-                  <a:schemeClr val="tx1"/>
-                </a:solidFill>
-                <a:latin typeface="Arial" panose="020B0604020202020204" pitchFamily="34" charset="0"/>
-                <a:cs typeface="Arial" panose="020B0604020202020204" pitchFamily="34" charset="0"/>
-              </a:rPr>
-              <a:t>thông</a:t>
-            </a:r>
-            <a:r>
-              <a:rPr lang="en-US" sz="2600" dirty="0">
-                <a:solidFill>
-                  <a:schemeClr val="tx1"/>
-                </a:solidFill>
-                <a:latin typeface="Arial" panose="020B0604020202020204" pitchFamily="34" charset="0"/>
-                <a:cs typeface="Arial" panose="020B0604020202020204" pitchFamily="34" charset="0"/>
-              </a:rPr>
-              <a:t> tin </a:t>
-            </a:r>
-            <a:r>
-              <a:rPr lang="en-US" sz="2600" dirty="0" err="1">
-                <a:solidFill>
-                  <a:schemeClr val="tx1"/>
-                </a:solidFill>
-                <a:latin typeface="Arial" panose="020B0604020202020204" pitchFamily="34" charset="0"/>
-                <a:cs typeface="Arial" panose="020B0604020202020204" pitchFamily="34" charset="0"/>
-              </a:rPr>
-              <a:t>trên</a:t>
-            </a:r>
-            <a:r>
-              <a:rPr lang="en-US" sz="2600" dirty="0">
-                <a:solidFill>
-                  <a:schemeClr val="tx1"/>
-                </a:solidFill>
-                <a:latin typeface="Arial" panose="020B0604020202020204" pitchFamily="34" charset="0"/>
-                <a:cs typeface="Arial" panose="020B0604020202020204" pitchFamily="34" charset="0"/>
-              </a:rPr>
-              <a:t> </a:t>
-            </a:r>
-            <a:r>
-              <a:rPr lang="en-US" sz="2600" dirty="0" err="1">
-                <a:solidFill>
-                  <a:schemeClr val="tx1"/>
-                </a:solidFill>
-                <a:latin typeface="Arial" panose="020B0604020202020204" pitchFamily="34" charset="0"/>
-                <a:cs typeface="Arial" panose="020B0604020202020204" pitchFamily="34" charset="0"/>
-              </a:rPr>
-              <a:t>TextInput</a:t>
-            </a:r>
-            <a:r>
-              <a:rPr lang="en-US" sz="2600" dirty="0">
-                <a:solidFill>
-                  <a:schemeClr val="tx1"/>
-                </a:solidFill>
-                <a:latin typeface="Arial" panose="020B0604020202020204" pitchFamily="34" charset="0"/>
-                <a:cs typeface="Arial" panose="020B0604020202020204" pitchFamily="34" charset="0"/>
-              </a:rPr>
-              <a:t>, </a:t>
-            </a:r>
-            <a:r>
-              <a:rPr lang="en-US" sz="2600" dirty="0" err="1">
-                <a:solidFill>
-                  <a:schemeClr val="tx1"/>
-                </a:solidFill>
-                <a:latin typeface="Arial" panose="020B0604020202020204" pitchFamily="34" charset="0"/>
-                <a:cs typeface="Arial" panose="020B0604020202020204" pitchFamily="34" charset="0"/>
-              </a:rPr>
-              <a:t>thông</a:t>
-            </a:r>
-            <a:r>
-              <a:rPr lang="en-US" sz="2600" dirty="0">
-                <a:solidFill>
-                  <a:schemeClr val="tx1"/>
-                </a:solidFill>
-                <a:latin typeface="Arial" panose="020B0604020202020204" pitchFamily="34" charset="0"/>
-                <a:cs typeface="Arial" panose="020B0604020202020204" pitchFamily="34" charset="0"/>
-              </a:rPr>
-              <a:t> tin </a:t>
-            </a:r>
-            <a:r>
-              <a:rPr lang="en-US" sz="2600" dirty="0" err="1">
-                <a:solidFill>
-                  <a:schemeClr val="tx1"/>
-                </a:solidFill>
-                <a:latin typeface="Arial" panose="020B0604020202020204" pitchFamily="34" charset="0"/>
-                <a:cs typeface="Arial" panose="020B0604020202020204" pitchFamily="34" charset="0"/>
-              </a:rPr>
-              <a:t>trên</a:t>
-            </a:r>
-            <a:r>
-              <a:rPr lang="en-US" sz="2600" dirty="0">
-                <a:solidFill>
-                  <a:schemeClr val="tx1"/>
-                </a:solidFill>
-                <a:latin typeface="Arial" panose="020B0604020202020204" pitchFamily="34" charset="0"/>
-                <a:cs typeface="Arial" panose="020B0604020202020204" pitchFamily="34" charset="0"/>
-              </a:rPr>
-              <a:t> &lt;p&gt; </a:t>
-            </a:r>
-            <a:r>
-              <a:rPr lang="en-US" sz="2600" dirty="0" err="1">
-                <a:solidFill>
-                  <a:schemeClr val="tx1"/>
-                </a:solidFill>
-                <a:latin typeface="Arial" panose="020B0604020202020204" pitchFamily="34" charset="0"/>
-                <a:cs typeface="Arial" panose="020B0604020202020204" pitchFamily="34" charset="0"/>
-              </a:rPr>
-              <a:t>thay</a:t>
-            </a:r>
-            <a:r>
-              <a:rPr lang="en-US" sz="2600" dirty="0">
-                <a:solidFill>
-                  <a:schemeClr val="tx1"/>
-                </a:solidFill>
-                <a:latin typeface="Arial" panose="020B0604020202020204" pitchFamily="34" charset="0"/>
-                <a:cs typeface="Arial" panose="020B0604020202020204" pitchFamily="34" charset="0"/>
-              </a:rPr>
-              <a:t> </a:t>
-            </a:r>
-            <a:r>
-              <a:rPr lang="en-US" sz="2600" dirty="0" err="1">
-                <a:solidFill>
-                  <a:schemeClr val="tx1"/>
-                </a:solidFill>
-                <a:latin typeface="Arial" panose="020B0604020202020204" pitchFamily="34" charset="0"/>
-                <a:cs typeface="Arial" panose="020B0604020202020204" pitchFamily="34" charset="0"/>
-              </a:rPr>
-              <a:t>đổi</a:t>
-            </a:r>
-            <a:r>
-              <a:rPr lang="en-US" sz="2600" dirty="0">
-                <a:solidFill>
-                  <a:schemeClr val="tx1"/>
-                </a:solidFill>
-                <a:latin typeface="Arial" panose="020B0604020202020204" pitchFamily="34" charset="0"/>
-                <a:cs typeface="Arial" panose="020B0604020202020204" pitchFamily="34" charset="0"/>
-              </a:rPr>
-              <a:t> </a:t>
-            </a:r>
-            <a:r>
-              <a:rPr lang="en-US" sz="2600" dirty="0" err="1">
-                <a:solidFill>
-                  <a:schemeClr val="tx1"/>
-                </a:solidFill>
-                <a:latin typeface="Arial" panose="020B0604020202020204" pitchFamily="34" charset="0"/>
-                <a:cs typeface="Arial" panose="020B0604020202020204" pitchFamily="34" charset="0"/>
-              </a:rPr>
-              <a:t>theo.</a:t>
-            </a:r>
-            <a:endParaRPr lang="en-US" sz="2600" dirty="0">
-              <a:solidFill>
-                <a:schemeClr val="tx1"/>
-              </a:solidFill>
-              <a:latin typeface="Arial" panose="020B0604020202020204" pitchFamily="34" charset="0"/>
-              <a:cs typeface="Arial" panose="020B0604020202020204" pitchFamily="34" charset="0"/>
-            </a:endParaRPr>
+              <a:t>. </a:t>
+            </a:r>
           </a:p>
         </p:txBody>
       </p:sp>
